--- a/React Workshop.pptx
+++ b/React Workshop.pptx
@@ -2428,10 +2428,13 @@
                 <a14:imgProps xmlns:a14="http://schemas.microsoft.com/office/drawing/2010/main">
                   <a14:imgLayer r:embed="rId14">
                     <a14:imgEffect>
-                      <a14:sharpenSoften amount="-56000"/>
+                      <a14:artisticGlowDiffused/>
                     </a14:imgEffect>
                     <a14:imgEffect>
-                      <a14:brightnessContrast bright="-50000" contrast="-23000"/>
+                      <a14:sharpenSoften amount="3000"/>
+                    </a14:imgEffect>
+                    <a14:imgEffect>
+                      <a14:brightnessContrast bright="-85000" contrast="-23000"/>
                     </a14:imgEffect>
                   </a14:imgLayer>
                 </a14:imgProps>
@@ -3090,316 +3093,32 @@
             <p:ph type="title"/>
           </p:nvPr>
         </p:nvSpPr>
-        <p:spPr/>
-        <p:txBody>
-          <a:bodyPr/>
-          <a:lstStyle/>
-          <a:p>
-            <a:r>
-              <a:rPr lang="en-US" dirty="0" smtClean="0">
-                <a:solidFill>
-                  <a:schemeClr val="accent4">
-                    <a:lumMod val="20000"/>
-                    <a:lumOff val="80000"/>
-                  </a:schemeClr>
-                </a:solidFill>
-              </a:rPr>
-              <a:t>Event Handlers		</a:t>
-            </a:r>
-            <a:endParaRPr lang="en-US" dirty="0">
-              <a:solidFill>
-                <a:schemeClr val="accent4">
-                  <a:lumMod val="20000"/>
-                  <a:lumOff val="80000"/>
-                </a:schemeClr>
-              </a:solidFill>
-            </a:endParaRPr>
-          </a:p>
-        </p:txBody>
-      </p:sp>
-      <p:sp>
-        <p:nvSpPr>
-          <p:cNvPr id="3" name="Content Placeholder 2"/>
-          <p:cNvSpPr>
-            <a:spLocks noGrp="1"/>
-          </p:cNvSpPr>
-          <p:nvPr>
-            <p:ph idx="1"/>
-          </p:nvPr>
-        </p:nvSpPr>
-        <p:spPr/>
+        <p:spPr>
+          <a:xfrm>
+            <a:off x="838200" y="365126"/>
+            <a:ext cx="10515600" cy="1041644"/>
+          </a:xfrm>
+        </p:spPr>
         <p:txBody>
           <a:bodyPr>
-            <a:normAutofit fontScale="92500" lnSpcReduction="20000"/>
+            <a:normAutofit/>
           </a:bodyPr>
           <a:lstStyle/>
           <a:p>
             <a:r>
-              <a:rPr lang="en-US" sz="1800" dirty="0" smtClean="0">
-                <a:solidFill>
-                  <a:schemeClr val="accent4">
-                    <a:lumMod val="20000"/>
-                    <a:lumOff val="80000"/>
-                  </a:schemeClr>
-                </a:solidFill>
-                <a:latin typeface="Times New Roman" panose="02020603050405020304" pitchFamily="18" charset="0"/>
-                <a:cs typeface="Times New Roman" panose="02020603050405020304" pitchFamily="18" charset="0"/>
-              </a:rPr>
-              <a:t>Event Handling with react elements is similar to that of handling event on DOM elements.</a:t>
-            </a:r>
-          </a:p>
-          <a:p>
-            <a:r>
-              <a:rPr lang="en-US" sz="1800" dirty="0" smtClean="0">
-                <a:solidFill>
-                  <a:schemeClr val="accent4">
-                    <a:lumMod val="20000"/>
-                    <a:lumOff val="80000"/>
-                  </a:schemeClr>
-                </a:solidFill>
-                <a:latin typeface="Times New Roman" panose="02020603050405020304" pitchFamily="18" charset="0"/>
-                <a:cs typeface="Times New Roman" panose="02020603050405020304" pitchFamily="18" charset="0"/>
-              </a:rPr>
-              <a:t>React events uses </a:t>
-            </a:r>
-            <a:r>
-              <a:rPr lang="en-US" sz="1800" dirty="0" err="1" smtClean="0">
-                <a:solidFill>
-                  <a:schemeClr val="accent4">
-                    <a:lumMod val="20000"/>
-                    <a:lumOff val="80000"/>
-                  </a:schemeClr>
-                </a:solidFill>
-                <a:latin typeface="Times New Roman" panose="02020603050405020304" pitchFamily="18" charset="0"/>
-                <a:cs typeface="Times New Roman" panose="02020603050405020304" pitchFamily="18" charset="0"/>
-              </a:rPr>
-              <a:t>camelCase</a:t>
-            </a:r>
-            <a:r>
-              <a:rPr lang="en-US" sz="1800" dirty="0" smtClean="0">
-                <a:solidFill>
-                  <a:schemeClr val="accent4">
-                    <a:lumMod val="20000"/>
-                    <a:lumOff val="80000"/>
-                  </a:schemeClr>
-                </a:solidFill>
-                <a:latin typeface="Times New Roman" panose="02020603050405020304" pitchFamily="18" charset="0"/>
-                <a:cs typeface="Times New Roman" panose="02020603050405020304" pitchFamily="18" charset="0"/>
-              </a:rPr>
-              <a:t> to name.</a:t>
-            </a:r>
-          </a:p>
-          <a:p>
-            <a:r>
-              <a:rPr lang="en-US" sz="1800" dirty="0" smtClean="0">
-                <a:solidFill>
-                  <a:schemeClr val="accent4">
-                    <a:lumMod val="20000"/>
-                    <a:lumOff val="80000"/>
-                  </a:schemeClr>
-                </a:solidFill>
-                <a:latin typeface="Times New Roman" panose="02020603050405020304" pitchFamily="18" charset="0"/>
-                <a:cs typeface="Times New Roman" panose="02020603050405020304" pitchFamily="18" charset="0"/>
-              </a:rPr>
-              <a:t>A function is passed as a event handler.</a:t>
-            </a:r>
-          </a:p>
-          <a:p>
-            <a:pPr marL="0" indent="0">
-              <a:buNone/>
-            </a:pPr>
-            <a:r>
-              <a:rPr kumimoji="0" lang="en-US" altLang="en-US" sz="1800" b="0" i="0" u="none" strike="noStrike" cap="none" normalizeH="0" baseline="0" dirty="0" smtClean="0">
-                <a:ln>
-                  <a:noFill/>
-                </a:ln>
-                <a:solidFill>
-                  <a:schemeClr val="accent4">
-                    <a:lumMod val="20000"/>
-                    <a:lumOff val="80000"/>
-                  </a:schemeClr>
-                </a:solidFill>
-                <a:effectLst/>
-                <a:latin typeface="Times New Roman" panose="02020603050405020304" pitchFamily="18" charset="0"/>
-                <a:cs typeface="Times New Roman" panose="02020603050405020304" pitchFamily="18" charset="0"/>
-              </a:rPr>
-              <a:t> 	&lt;button </a:t>
-            </a:r>
-            <a:r>
-              <a:rPr kumimoji="0" lang="en-US" altLang="en-US" sz="1800" b="0" i="0" u="none" strike="noStrike" cap="none" normalizeH="0" baseline="0" dirty="0" err="1" smtClean="0">
-                <a:ln>
-                  <a:noFill/>
-                </a:ln>
-                <a:solidFill>
-                  <a:schemeClr val="accent4">
-                    <a:lumMod val="20000"/>
-                    <a:lumOff val="80000"/>
-                  </a:schemeClr>
-                </a:solidFill>
-                <a:effectLst/>
-                <a:latin typeface="Times New Roman" panose="02020603050405020304" pitchFamily="18" charset="0"/>
-                <a:cs typeface="Times New Roman" panose="02020603050405020304" pitchFamily="18" charset="0"/>
-              </a:rPr>
-              <a:t>onclick</a:t>
-            </a:r>
-            <a:r>
-              <a:rPr kumimoji="0" lang="en-US" altLang="en-US" sz="1800" b="0" i="0" u="none" strike="noStrike" cap="none" normalizeH="0" baseline="0" dirty="0" smtClean="0">
-                <a:ln>
-                  <a:noFill/>
-                </a:ln>
-                <a:solidFill>
-                  <a:schemeClr val="accent4">
-                    <a:lumMod val="20000"/>
-                    <a:lumOff val="80000"/>
-                  </a:schemeClr>
-                </a:solidFill>
-                <a:effectLst/>
-                <a:latin typeface="Times New Roman" panose="02020603050405020304" pitchFamily="18" charset="0"/>
-                <a:cs typeface="Times New Roman" panose="02020603050405020304" pitchFamily="18" charset="0"/>
-              </a:rPr>
-              <a:t>="</a:t>
-            </a:r>
-            <a:r>
-              <a:rPr kumimoji="0" lang="en-US" altLang="en-US" sz="1800" b="0" i="0" u="none" strike="noStrike" cap="none" normalizeH="0" baseline="0" dirty="0" err="1" smtClean="0">
-                <a:ln>
-                  <a:noFill/>
-                </a:ln>
-                <a:solidFill>
-                  <a:schemeClr val="accent4">
-                    <a:lumMod val="20000"/>
-                    <a:lumOff val="80000"/>
-                  </a:schemeClr>
-                </a:solidFill>
-                <a:effectLst/>
-                <a:latin typeface="Times New Roman" panose="02020603050405020304" pitchFamily="18" charset="0"/>
-                <a:cs typeface="Times New Roman" panose="02020603050405020304" pitchFamily="18" charset="0"/>
-              </a:rPr>
-              <a:t>activateLasers</a:t>
-            </a:r>
-            <a:r>
-              <a:rPr kumimoji="0" lang="en-US" altLang="en-US" sz="1800" b="0" i="0" u="none" strike="noStrike" cap="none" normalizeH="0" baseline="0" dirty="0" smtClean="0">
-                <a:ln>
-                  <a:noFill/>
-                </a:ln>
-                <a:solidFill>
-                  <a:schemeClr val="accent4">
-                    <a:lumMod val="20000"/>
-                    <a:lumOff val="80000"/>
-                  </a:schemeClr>
-                </a:solidFill>
-                <a:effectLst/>
-                <a:latin typeface="Times New Roman" panose="02020603050405020304" pitchFamily="18" charset="0"/>
-                <a:cs typeface="Times New Roman" panose="02020603050405020304" pitchFamily="18" charset="0"/>
-              </a:rPr>
-              <a:t>()"&gt;</a:t>
-            </a:r>
-          </a:p>
-          <a:p>
-            <a:pPr marL="0" indent="0">
-              <a:buNone/>
-            </a:pPr>
-            <a:r>
-              <a:rPr lang="en-US" altLang="en-US" sz="1800" dirty="0">
-                <a:solidFill>
-                  <a:schemeClr val="accent4">
-                    <a:lumMod val="20000"/>
-                    <a:lumOff val="80000"/>
-                  </a:schemeClr>
-                </a:solidFill>
-                <a:latin typeface="Times New Roman" panose="02020603050405020304" pitchFamily="18" charset="0"/>
-                <a:cs typeface="Times New Roman" panose="02020603050405020304" pitchFamily="18" charset="0"/>
-              </a:rPr>
-              <a:t>	</a:t>
-            </a:r>
-            <a:r>
-              <a:rPr lang="en-US" altLang="en-US" sz="1800" dirty="0" smtClean="0">
-                <a:solidFill>
-                  <a:schemeClr val="accent4">
-                    <a:lumMod val="20000"/>
-                    <a:lumOff val="80000"/>
-                  </a:schemeClr>
-                </a:solidFill>
-                <a:latin typeface="Times New Roman" panose="02020603050405020304" pitchFamily="18" charset="0"/>
-                <a:cs typeface="Times New Roman" panose="02020603050405020304" pitchFamily="18" charset="0"/>
-              </a:rPr>
-              <a:t>	</a:t>
-            </a:r>
-            <a:r>
-              <a:rPr kumimoji="0" lang="en-US" altLang="en-US" sz="1800" b="0" i="0" u="none" strike="noStrike" cap="none" normalizeH="0" baseline="0" dirty="0" smtClean="0">
-                <a:ln>
-                  <a:noFill/>
-                </a:ln>
-                <a:solidFill>
-                  <a:schemeClr val="accent4">
-                    <a:lumMod val="20000"/>
-                    <a:lumOff val="80000"/>
-                  </a:schemeClr>
-                </a:solidFill>
-                <a:effectLst/>
-                <a:latin typeface="Times New Roman" panose="02020603050405020304" pitchFamily="18" charset="0"/>
-                <a:cs typeface="Times New Roman" panose="02020603050405020304" pitchFamily="18" charset="0"/>
-              </a:rPr>
-              <a:t> Activate Lasers </a:t>
-            </a:r>
-          </a:p>
-          <a:p>
-            <a:pPr marL="0" indent="0">
-              <a:buNone/>
-            </a:pPr>
-            <a:r>
-              <a:rPr lang="en-US" altLang="en-US" sz="1800" dirty="0">
-                <a:solidFill>
-                  <a:schemeClr val="accent4">
-                    <a:lumMod val="20000"/>
-                    <a:lumOff val="80000"/>
-                  </a:schemeClr>
-                </a:solidFill>
-                <a:latin typeface="Times New Roman" panose="02020603050405020304" pitchFamily="18" charset="0"/>
-                <a:cs typeface="Times New Roman" panose="02020603050405020304" pitchFamily="18" charset="0"/>
-              </a:rPr>
-              <a:t>	</a:t>
-            </a:r>
-            <a:r>
-              <a:rPr kumimoji="0" lang="en-US" altLang="en-US" sz="1800" b="0" i="0" u="none" strike="noStrike" cap="none" normalizeH="0" baseline="0" dirty="0" smtClean="0">
-                <a:ln>
-                  <a:noFill/>
-                </a:ln>
-                <a:solidFill>
-                  <a:schemeClr val="accent4">
-                    <a:lumMod val="20000"/>
-                    <a:lumOff val="80000"/>
-                  </a:schemeClr>
-                </a:solidFill>
-                <a:effectLst/>
-                <a:latin typeface="Times New Roman" panose="02020603050405020304" pitchFamily="18" charset="0"/>
-                <a:cs typeface="Times New Roman" panose="02020603050405020304" pitchFamily="18" charset="0"/>
-              </a:rPr>
-              <a:t>&lt;/button&gt; </a:t>
-            </a:r>
-          </a:p>
-          <a:p>
-            <a:pPr marL="0" indent="0">
-              <a:buNone/>
-            </a:pPr>
-            <a:r>
-              <a:rPr lang="en-US" sz="1800" dirty="0" smtClean="0">
-                <a:solidFill>
-                  <a:schemeClr val="accent4">
-                    <a:lumMod val="20000"/>
-                    <a:lumOff val="80000"/>
-                  </a:schemeClr>
-                </a:solidFill>
-                <a:latin typeface="Times New Roman" panose="02020603050405020304" pitchFamily="18" charset="0"/>
-                <a:cs typeface="Times New Roman" panose="02020603050405020304" pitchFamily="18" charset="0"/>
-              </a:rPr>
-              <a:t>                                     HTML code</a:t>
-            </a:r>
-          </a:p>
-          <a:p>
-            <a:pPr marL="0" indent="0">
-              <a:buNone/>
-            </a:pPr>
-            <a:endParaRPr lang="en-US" sz="1800" dirty="0" smtClean="0">
+              <a:rPr lang="en-US" sz="3500" dirty="0" smtClean="0">
+                <a:solidFill>
+                  <a:schemeClr val="accent4">
+                    <a:lumMod val="20000"/>
+                    <a:lumOff val="80000"/>
+                  </a:schemeClr>
+                </a:solidFill>
+                <a:latin typeface="Times New Roman" panose="02020603050405020304" pitchFamily="18" charset="0"/>
+                <a:cs typeface="Times New Roman" panose="02020603050405020304" pitchFamily="18" charset="0"/>
+              </a:rPr>
+              <a:t>Event Handlers		</a:t>
+            </a:r>
+            <a:endParaRPr lang="en-US" sz="3500" dirty="0">
               <a:solidFill>
                 <a:schemeClr val="accent4">
                   <a:lumMod val="20000"/>
@@ -3410,12 +3129,196 @@
               <a:cs typeface="Times New Roman" panose="02020603050405020304" pitchFamily="18" charset="0"/>
             </a:endParaRPr>
           </a:p>
+        </p:txBody>
+      </p:sp>
+      <p:sp>
+        <p:nvSpPr>
+          <p:cNvPr id="3" name="Content Placeholder 2"/>
+          <p:cNvSpPr>
+            <a:spLocks noGrp="1"/>
+          </p:cNvSpPr>
+          <p:nvPr>
+            <p:ph idx="1"/>
+          </p:nvPr>
+        </p:nvSpPr>
+        <p:spPr>
+          <a:xfrm>
+            <a:off x="838200" y="1547446"/>
+            <a:ext cx="10515600" cy="4629517"/>
+          </a:xfrm>
+        </p:spPr>
+        <p:txBody>
+          <a:bodyPr>
+            <a:normAutofit fontScale="92500" lnSpcReduction="20000"/>
+          </a:bodyPr>
+          <a:lstStyle/>
+          <a:p>
+            <a:r>
+              <a:rPr lang="en-US" sz="2200" dirty="0" smtClean="0">
+                <a:solidFill>
+                  <a:schemeClr val="accent4">
+                    <a:lumMod val="20000"/>
+                    <a:lumOff val="80000"/>
+                  </a:schemeClr>
+                </a:solidFill>
+                <a:latin typeface="Times New Roman" panose="02020603050405020304" pitchFamily="18" charset="0"/>
+                <a:cs typeface="Times New Roman" panose="02020603050405020304" pitchFamily="18" charset="0"/>
+              </a:rPr>
+              <a:t>Event Handling with react elements is similar to that of handling event on DOM elements.</a:t>
+            </a:r>
+          </a:p>
+          <a:p>
+            <a:r>
+              <a:rPr lang="en-US" sz="2200" dirty="0" smtClean="0">
+                <a:solidFill>
+                  <a:schemeClr val="accent4">
+                    <a:lumMod val="20000"/>
+                    <a:lumOff val="80000"/>
+                  </a:schemeClr>
+                </a:solidFill>
+                <a:latin typeface="Times New Roman" panose="02020603050405020304" pitchFamily="18" charset="0"/>
+                <a:cs typeface="Times New Roman" panose="02020603050405020304" pitchFamily="18" charset="0"/>
+              </a:rPr>
+              <a:t>React events uses </a:t>
+            </a:r>
+            <a:r>
+              <a:rPr lang="en-US" sz="2200" dirty="0" err="1" smtClean="0">
+                <a:solidFill>
+                  <a:schemeClr val="accent4">
+                    <a:lumMod val="20000"/>
+                    <a:lumOff val="80000"/>
+                  </a:schemeClr>
+                </a:solidFill>
+                <a:latin typeface="Times New Roman" panose="02020603050405020304" pitchFamily="18" charset="0"/>
+                <a:cs typeface="Times New Roman" panose="02020603050405020304" pitchFamily="18" charset="0"/>
+              </a:rPr>
+              <a:t>camelCase</a:t>
+            </a:r>
+            <a:r>
+              <a:rPr lang="en-US" sz="2200" dirty="0" smtClean="0">
+                <a:solidFill>
+                  <a:schemeClr val="accent4">
+                    <a:lumMod val="20000"/>
+                    <a:lumOff val="80000"/>
+                  </a:schemeClr>
+                </a:solidFill>
+                <a:latin typeface="Times New Roman" panose="02020603050405020304" pitchFamily="18" charset="0"/>
+                <a:cs typeface="Times New Roman" panose="02020603050405020304" pitchFamily="18" charset="0"/>
+              </a:rPr>
+              <a:t> to name.</a:t>
+            </a:r>
+          </a:p>
+          <a:p>
+            <a:r>
+              <a:rPr lang="en-US" sz="2200" dirty="0" smtClean="0">
+                <a:solidFill>
+                  <a:schemeClr val="accent4">
+                    <a:lumMod val="20000"/>
+                    <a:lumOff val="80000"/>
+                  </a:schemeClr>
+                </a:solidFill>
+                <a:latin typeface="Times New Roman" panose="02020603050405020304" pitchFamily="18" charset="0"/>
+                <a:cs typeface="Times New Roman" panose="02020603050405020304" pitchFamily="18" charset="0"/>
+              </a:rPr>
+              <a:t>A function is passed as a event handler.</a:t>
+            </a:r>
+          </a:p>
           <a:p>
             <a:pPr marL="0" indent="0">
               <a:buNone/>
             </a:pPr>
             <a:r>
-              <a:rPr lang="en-US" altLang="en-US" sz="1800" dirty="0">
+              <a:rPr kumimoji="0" lang="en-US" altLang="en-US" sz="2200" b="0" i="0" u="none" strike="noStrike" cap="none" normalizeH="0" baseline="0" dirty="0" smtClean="0">
+                <a:ln>
+                  <a:noFill/>
+                </a:ln>
+                <a:solidFill>
+                  <a:schemeClr val="accent4">
+                    <a:lumMod val="20000"/>
+                    <a:lumOff val="80000"/>
+                  </a:schemeClr>
+                </a:solidFill>
+                <a:effectLst/>
+                <a:latin typeface="Times New Roman" panose="02020603050405020304" pitchFamily="18" charset="0"/>
+                <a:cs typeface="Times New Roman" panose="02020603050405020304" pitchFamily="18" charset="0"/>
+              </a:rPr>
+              <a:t> 	&lt;button </a:t>
+            </a:r>
+            <a:r>
+              <a:rPr kumimoji="0" lang="en-US" altLang="en-US" sz="2200" b="0" i="0" u="none" strike="noStrike" cap="none" normalizeH="0" baseline="0" dirty="0" err="1" smtClean="0">
+                <a:ln>
+                  <a:noFill/>
+                </a:ln>
+                <a:solidFill>
+                  <a:schemeClr val="accent4">
+                    <a:lumMod val="20000"/>
+                    <a:lumOff val="80000"/>
+                  </a:schemeClr>
+                </a:solidFill>
+                <a:effectLst/>
+                <a:latin typeface="Times New Roman" panose="02020603050405020304" pitchFamily="18" charset="0"/>
+                <a:cs typeface="Times New Roman" panose="02020603050405020304" pitchFamily="18" charset="0"/>
+              </a:rPr>
+              <a:t>onclick</a:t>
+            </a:r>
+            <a:r>
+              <a:rPr kumimoji="0" lang="en-US" altLang="en-US" sz="2200" b="0" i="0" u="none" strike="noStrike" cap="none" normalizeH="0" baseline="0" dirty="0" smtClean="0">
+                <a:ln>
+                  <a:noFill/>
+                </a:ln>
+                <a:solidFill>
+                  <a:schemeClr val="accent4">
+                    <a:lumMod val="20000"/>
+                    <a:lumOff val="80000"/>
+                  </a:schemeClr>
+                </a:solidFill>
+                <a:effectLst/>
+                <a:latin typeface="Times New Roman" panose="02020603050405020304" pitchFamily="18" charset="0"/>
+                <a:cs typeface="Times New Roman" panose="02020603050405020304" pitchFamily="18" charset="0"/>
+              </a:rPr>
+              <a:t>="</a:t>
+            </a:r>
+            <a:r>
+              <a:rPr kumimoji="0" lang="en-US" altLang="en-US" sz="2200" b="0" i="0" u="none" strike="noStrike" cap="none" normalizeH="0" baseline="0" dirty="0" err="1" smtClean="0">
+                <a:ln>
+                  <a:noFill/>
+                </a:ln>
+                <a:solidFill>
+                  <a:schemeClr val="accent4">
+                    <a:lumMod val="20000"/>
+                    <a:lumOff val="80000"/>
+                  </a:schemeClr>
+                </a:solidFill>
+                <a:effectLst/>
+                <a:latin typeface="Times New Roman" panose="02020603050405020304" pitchFamily="18" charset="0"/>
+                <a:cs typeface="Times New Roman" panose="02020603050405020304" pitchFamily="18" charset="0"/>
+              </a:rPr>
+              <a:t>activateLasers</a:t>
+            </a:r>
+            <a:r>
+              <a:rPr kumimoji="0" lang="en-US" altLang="en-US" sz="2200" b="0" i="0" u="none" strike="noStrike" cap="none" normalizeH="0" baseline="0" dirty="0" smtClean="0">
+                <a:ln>
+                  <a:noFill/>
+                </a:ln>
+                <a:solidFill>
+                  <a:schemeClr val="accent4">
+                    <a:lumMod val="20000"/>
+                    <a:lumOff val="80000"/>
+                  </a:schemeClr>
+                </a:solidFill>
+                <a:effectLst/>
+                <a:latin typeface="Times New Roman" panose="02020603050405020304" pitchFamily="18" charset="0"/>
+                <a:cs typeface="Times New Roman" panose="02020603050405020304" pitchFamily="18" charset="0"/>
+              </a:rPr>
+              <a:t>()"&gt;</a:t>
+            </a:r>
+          </a:p>
+          <a:p>
+            <a:pPr marL="0" indent="0">
+              <a:buNone/>
+            </a:pPr>
+            <a:r>
+              <a:rPr lang="en-US" altLang="en-US" sz="2200" dirty="0">
                 <a:solidFill>
                   <a:schemeClr val="accent4">
                     <a:lumMod val="20000"/>
@@ -3428,7 +3331,123 @@
               <a:t>	</a:t>
             </a:r>
             <a:r>
-              <a:rPr kumimoji="0" lang="en-US" altLang="en-US" sz="1800" b="0" i="0" u="none" strike="noStrike" cap="none" normalizeH="0" baseline="0" dirty="0" smtClean="0">
+              <a:rPr lang="en-US" altLang="en-US" sz="2200" dirty="0" smtClean="0">
+                <a:solidFill>
+                  <a:schemeClr val="accent4">
+                    <a:lumMod val="20000"/>
+                    <a:lumOff val="80000"/>
+                  </a:schemeClr>
+                </a:solidFill>
+                <a:latin typeface="Times New Roman" panose="02020603050405020304" pitchFamily="18" charset="0"/>
+                <a:cs typeface="Times New Roman" panose="02020603050405020304" pitchFamily="18" charset="0"/>
+              </a:rPr>
+              <a:t>	</a:t>
+            </a:r>
+            <a:r>
+              <a:rPr kumimoji="0" lang="en-US" altLang="en-US" sz="2200" b="0" i="0" u="none" strike="noStrike" cap="none" normalizeH="0" baseline="0" dirty="0" smtClean="0">
+                <a:ln>
+                  <a:noFill/>
+                </a:ln>
+                <a:solidFill>
+                  <a:schemeClr val="accent4">
+                    <a:lumMod val="20000"/>
+                    <a:lumOff val="80000"/>
+                  </a:schemeClr>
+                </a:solidFill>
+                <a:effectLst/>
+                <a:latin typeface="Times New Roman" panose="02020603050405020304" pitchFamily="18" charset="0"/>
+                <a:cs typeface="Times New Roman" panose="02020603050405020304" pitchFamily="18" charset="0"/>
+              </a:rPr>
+              <a:t> Activate Lasers </a:t>
+            </a:r>
+          </a:p>
+          <a:p>
+            <a:pPr marL="0" indent="0">
+              <a:buNone/>
+            </a:pPr>
+            <a:r>
+              <a:rPr lang="en-US" altLang="en-US" sz="2200" dirty="0">
+                <a:solidFill>
+                  <a:schemeClr val="accent4">
+                    <a:lumMod val="20000"/>
+                    <a:lumOff val="80000"/>
+                  </a:schemeClr>
+                </a:solidFill>
+                <a:latin typeface="Times New Roman" panose="02020603050405020304" pitchFamily="18" charset="0"/>
+                <a:cs typeface="Times New Roman" panose="02020603050405020304" pitchFamily="18" charset="0"/>
+              </a:rPr>
+              <a:t>	</a:t>
+            </a:r>
+            <a:r>
+              <a:rPr kumimoji="0" lang="en-US" altLang="en-US" sz="2200" b="0" i="0" u="none" strike="noStrike" cap="none" normalizeH="0" baseline="0" dirty="0" smtClean="0">
+                <a:ln>
+                  <a:noFill/>
+                </a:ln>
+                <a:solidFill>
+                  <a:schemeClr val="accent4">
+                    <a:lumMod val="20000"/>
+                    <a:lumOff val="80000"/>
+                  </a:schemeClr>
+                </a:solidFill>
+                <a:effectLst/>
+                <a:latin typeface="Times New Roman" panose="02020603050405020304" pitchFamily="18" charset="0"/>
+                <a:cs typeface="Times New Roman" panose="02020603050405020304" pitchFamily="18" charset="0"/>
+              </a:rPr>
+              <a:t>&lt;/button&gt; </a:t>
+            </a:r>
+          </a:p>
+          <a:p>
+            <a:pPr marL="0" indent="0">
+              <a:buNone/>
+            </a:pPr>
+            <a:r>
+              <a:rPr lang="en-US" sz="2200" dirty="0" smtClean="0">
+                <a:solidFill>
+                  <a:schemeClr val="accent4">
+                    <a:lumMod val="20000"/>
+                    <a:lumOff val="80000"/>
+                  </a:schemeClr>
+                </a:solidFill>
+                <a:latin typeface="Times New Roman" panose="02020603050405020304" pitchFamily="18" charset="0"/>
+                <a:cs typeface="Times New Roman" panose="02020603050405020304" pitchFamily="18" charset="0"/>
+              </a:rPr>
+              <a:t>                                         HTML code</a:t>
+            </a:r>
+          </a:p>
+          <a:p>
+            <a:pPr marL="0" indent="0">
+              <a:buNone/>
+            </a:pPr>
+            <a:endParaRPr lang="en-US" sz="2200" dirty="0" smtClean="0">
+              <a:solidFill>
+                <a:schemeClr val="accent4">
+                  <a:lumMod val="20000"/>
+                  <a:lumOff val="80000"/>
+                </a:schemeClr>
+              </a:solidFill>
+              <a:latin typeface="Times New Roman" panose="02020603050405020304" pitchFamily="18" charset="0"/>
+              <a:cs typeface="Times New Roman" panose="02020603050405020304" pitchFamily="18" charset="0"/>
+            </a:endParaRPr>
+          </a:p>
+          <a:p>
+            <a:pPr marL="0" indent="0">
+              <a:buNone/>
+            </a:pPr>
+            <a:r>
+              <a:rPr lang="en-US" altLang="en-US" sz="2200" dirty="0">
+                <a:solidFill>
+                  <a:schemeClr val="accent4">
+                    <a:lumMod val="20000"/>
+                    <a:lumOff val="80000"/>
+                  </a:schemeClr>
+                </a:solidFill>
+                <a:latin typeface="Times New Roman" panose="02020603050405020304" pitchFamily="18" charset="0"/>
+                <a:cs typeface="Times New Roman" panose="02020603050405020304" pitchFamily="18" charset="0"/>
+              </a:rPr>
+              <a:t>	</a:t>
+            </a:r>
+            <a:r>
+              <a:rPr kumimoji="0" lang="en-US" altLang="en-US" sz="2200" b="0" i="0" u="none" strike="noStrike" cap="none" normalizeH="0" baseline="0" dirty="0" smtClean="0">
                 <a:ln>
                   <a:noFill/>
                 </a:ln>
@@ -3445,7 +3464,7 @@
               <a:t>&lt;button </a:t>
             </a:r>
             <a:r>
-              <a:rPr kumimoji="0" lang="en-US" altLang="en-US" sz="1800" b="0" i="0" u="none" strike="noStrike" cap="none" normalizeH="0" baseline="0" dirty="0" err="1" smtClean="0">
+              <a:rPr kumimoji="0" lang="en-US" altLang="en-US" sz="2200" b="0" i="0" u="none" strike="noStrike" cap="none" normalizeH="0" baseline="0" dirty="0" err="1" smtClean="0">
                 <a:ln>
                   <a:noFill/>
                 </a:ln>
@@ -3462,7 +3481,7 @@
               <a:t>onClick</a:t>
             </a:r>
             <a:r>
-              <a:rPr kumimoji="0" lang="en-US" altLang="en-US" sz="1800" b="0" i="0" u="none" strike="noStrike" cap="none" normalizeH="0" baseline="0" dirty="0" smtClean="0">
+              <a:rPr kumimoji="0" lang="en-US" altLang="en-US" sz="2200" b="0" i="0" u="none" strike="noStrike" cap="none" normalizeH="0" baseline="0" dirty="0" smtClean="0">
                 <a:ln>
                   <a:noFill/>
                 </a:ln>
@@ -3479,7 +3498,7 @@
               <a:t>={</a:t>
             </a:r>
             <a:r>
-              <a:rPr kumimoji="0" lang="en-US" altLang="en-US" sz="1800" b="0" i="0" u="none" strike="noStrike" cap="none" normalizeH="0" baseline="0" dirty="0" err="1" smtClean="0">
+              <a:rPr kumimoji="0" lang="en-US" altLang="en-US" sz="2200" b="0" i="0" u="none" strike="noStrike" cap="none" normalizeH="0" baseline="0" dirty="0" err="1" smtClean="0">
                 <a:ln>
                   <a:noFill/>
                 </a:ln>
@@ -3496,7 +3515,7 @@
               <a:t>activateLasers</a:t>
             </a:r>
             <a:r>
-              <a:rPr kumimoji="0" lang="en-US" altLang="en-US" sz="1800" b="0" i="0" u="none" strike="noStrike" cap="none" normalizeH="0" baseline="0" dirty="0" smtClean="0">
+              <a:rPr kumimoji="0" lang="en-US" altLang="en-US" sz="2200" b="0" i="0" u="none" strike="noStrike" cap="none" normalizeH="0" baseline="0" dirty="0" smtClean="0">
                 <a:ln>
                   <a:noFill/>
                 </a:ln>
@@ -3518,38 +3537,21 @@
               <a:buNone/>
             </a:pPr>
             <a:r>
-              <a:rPr kumimoji="0" lang="en-US" altLang="en-US" sz="1400" b="0" i="0" u="none" strike="noStrike" cap="none" normalizeH="0" baseline="0" dirty="0" smtClean="0">
-                <a:ln>
-                  <a:noFill/>
-                </a:ln>
-                <a:solidFill>
-                  <a:schemeClr val="accent4">
-                    <a:lumMod val="20000"/>
-                    <a:lumOff val="80000"/>
-                  </a:schemeClr>
-                </a:solidFill>
-                <a:effectLst/>
-                <a:latin typeface="Times New Roman" panose="02020603050405020304" pitchFamily="18" charset="0"/>
-                <a:cs typeface="Times New Roman" panose="02020603050405020304" pitchFamily="18" charset="0"/>
-              </a:rPr>
-              <a:t>		</a:t>
-            </a:r>
-            <a:r>
-              <a:rPr kumimoji="0" lang="en-US" altLang="en-US" sz="1800" b="0" i="0" u="none" strike="noStrike" cap="none" normalizeH="0" baseline="0" dirty="0" smtClean="0">
-                <a:ln>
-                  <a:noFill/>
-                </a:ln>
-                <a:solidFill>
-                  <a:schemeClr val="accent4">
-                    <a:lumMod val="20000"/>
-                    <a:lumOff val="80000"/>
-                  </a:schemeClr>
-                </a:solidFill>
-                <a:effectLst/>
-                <a:latin typeface="Times New Roman" panose="02020603050405020304" pitchFamily="18" charset="0"/>
-                <a:cs typeface="Times New Roman" panose="02020603050405020304" pitchFamily="18" charset="0"/>
-              </a:rPr>
-              <a:t>Activate Lasers</a:t>
+              <a:rPr kumimoji="0" lang="en-US" altLang="en-US" sz="2200" b="0" i="0" u="none" strike="noStrike" cap="none" normalizeH="0" baseline="0" dirty="0" smtClean="0">
+                <a:ln>
+                  <a:noFill/>
+                </a:ln>
+                <a:solidFill>
+                  <a:schemeClr val="accent4">
+                    <a:lumMod val="20000"/>
+                    <a:lumOff val="80000"/>
+                  </a:schemeClr>
+                </a:solidFill>
+                <a:effectLst/>
+                <a:latin typeface="Times New Roman" panose="02020603050405020304" pitchFamily="18" charset="0"/>
+                <a:cs typeface="Times New Roman" panose="02020603050405020304" pitchFamily="18" charset="0"/>
+              </a:rPr>
+              <a:t>		Activate Lasers</a:t>
             </a:r>
           </a:p>
           <a:p>
@@ -3557,7 +3559,7 @@
               <a:buNone/>
             </a:pPr>
             <a:r>
-              <a:rPr kumimoji="0" lang="en-US" altLang="en-US" sz="1800" b="0" i="0" u="none" strike="noStrike" cap="none" normalizeH="0" baseline="0" dirty="0" smtClean="0">
+              <a:rPr kumimoji="0" lang="en-US" altLang="en-US" sz="2200" b="0" i="0" u="none" strike="noStrike" cap="none" normalizeH="0" baseline="0" dirty="0" smtClean="0">
                 <a:ln>
                   <a:noFill/>
                 </a:ln>
@@ -3579,7 +3581,7 @@
               <a:buNone/>
             </a:pPr>
             <a:r>
-              <a:rPr lang="en-US" altLang="en-US" sz="1800" dirty="0" smtClean="0">
+              <a:rPr lang="en-US" altLang="en-US" sz="2200" dirty="0" smtClean="0">
                 <a:solidFill>
                   <a:schemeClr val="accent4">
                     <a:lumMod val="20000"/>
@@ -3591,7 +3593,7 @@
               </a:rPr>
               <a:t>                                  React code</a:t>
             </a:r>
-            <a:endParaRPr kumimoji="0" lang="en-US" altLang="en-US" sz="1800" b="0" i="0" u="none" strike="noStrike" cap="none" normalizeH="0" baseline="0" dirty="0" smtClean="0">
+            <a:endParaRPr kumimoji="0" lang="en-US" altLang="en-US" sz="2200" b="0" i="0" u="none" strike="noStrike" cap="none" normalizeH="0" baseline="0" dirty="0" smtClean="0">
               <a:ln>
                 <a:noFill/>
               </a:ln>
@@ -4385,10 +4387,24 @@
           <a:lstStyle/>
           <a:p>
             <a:r>
-              <a:rPr lang="en-US" dirty="0" smtClean="0"/>
+              <a:rPr lang="en-US" dirty="0" smtClean="0">
+                <a:solidFill>
+                  <a:schemeClr val="accent4">
+                    <a:lumMod val="20000"/>
+                    <a:lumOff val="80000"/>
+                  </a:schemeClr>
+                </a:solidFill>
+              </a:rPr>
               <a:t>Introduction</a:t>
             </a:r>
-            <a:endParaRPr lang="en-US" dirty="0"/>
+            <a:endParaRPr lang="en-US" dirty="0">
+              <a:solidFill>
+                <a:schemeClr val="accent4">
+                  <a:lumMod val="20000"/>
+                  <a:lumOff val="80000"/>
+                </a:schemeClr>
+              </a:solidFill>
+            </a:endParaRPr>
           </a:p>
         </p:txBody>
       </p:sp>
@@ -4407,7 +4423,14 @@
           <a:bodyPr/>
           <a:lstStyle/>
           <a:p>
-            <a:endParaRPr lang="en-US" dirty="0"/>
+            <a:endParaRPr lang="en-US" dirty="0">
+              <a:solidFill>
+                <a:schemeClr val="accent4">
+                  <a:lumMod val="20000"/>
+                  <a:lumOff val="80000"/>
+                </a:schemeClr>
+              </a:solidFill>
+            </a:endParaRPr>
           </a:p>
         </p:txBody>
       </p:sp>
@@ -4898,6 +4921,8 @@
                     <a:lumOff val="80000"/>
                   </a:schemeClr>
                 </a:solidFill>
+                <a:latin typeface="Times New Roman" panose="02020603050405020304" pitchFamily="18" charset="0"/>
+                <a:cs typeface="Times New Roman" panose="02020603050405020304" pitchFamily="18" charset="0"/>
               </a:rPr>
               <a:t>JSX</a:t>
             </a:r>
@@ -4908,6 +4933,8 @@
                   <a:lumOff val="80000"/>
                 </a:schemeClr>
               </a:solidFill>
+              <a:latin typeface="Times New Roman" panose="02020603050405020304" pitchFamily="18" charset="0"/>
+              <a:cs typeface="Times New Roman" panose="02020603050405020304" pitchFamily="18" charset="0"/>
             </a:endParaRPr>
           </a:p>
         </p:txBody>
@@ -4940,6 +4967,8 @@
                     <a:lumOff val="80000"/>
                   </a:schemeClr>
                 </a:solidFill>
+                <a:latin typeface="Times New Roman" panose="02020603050405020304" pitchFamily="18" charset="0"/>
+                <a:cs typeface="Times New Roman" panose="02020603050405020304" pitchFamily="18" charset="0"/>
               </a:rPr>
               <a:t>JSX is an XML/HTML-like syntax used by React that extends ECMAScript so that XML/HTML-like text can co-exist with JavaScript/React code. </a:t>
             </a:r>
@@ -4950,6 +4979,8 @@
                   <a:lumOff val="80000"/>
                 </a:schemeClr>
               </a:solidFill>
+              <a:latin typeface="Times New Roman" panose="02020603050405020304" pitchFamily="18" charset="0"/>
+              <a:cs typeface="Times New Roman" panose="02020603050405020304" pitchFamily="18" charset="0"/>
             </a:endParaRPr>
           </a:p>
           <a:p>
@@ -4961,6 +4992,8 @@
                     <a:lumOff val="80000"/>
                   </a:schemeClr>
                 </a:solidFill>
+                <a:latin typeface="Times New Roman" panose="02020603050405020304" pitchFamily="18" charset="0"/>
+                <a:cs typeface="Times New Roman" panose="02020603050405020304" pitchFamily="18" charset="0"/>
               </a:rPr>
               <a:t>Babel is used to transform the java script file into the standard form JavaScript objects </a:t>
             </a:r>
@@ -4974,6 +5007,8 @@
                     <a:lumOff val="80000"/>
                   </a:schemeClr>
                 </a:solidFill>
+                <a:latin typeface="Times New Roman" panose="02020603050405020304" pitchFamily="18" charset="0"/>
+                <a:cs typeface="Times New Roman" panose="02020603050405020304" pitchFamily="18" charset="0"/>
               </a:rPr>
               <a:t> </a:t>
             </a:r>
@@ -4984,6 +5019,8 @@
                   <a:lumOff val="80000"/>
                 </a:schemeClr>
               </a:solidFill>
+              <a:latin typeface="Times New Roman" panose="02020603050405020304" pitchFamily="18" charset="0"/>
+              <a:cs typeface="Times New Roman" panose="02020603050405020304" pitchFamily="18" charset="0"/>
             </a:endParaRPr>
           </a:p>
           <a:p>
@@ -4994,6 +5031,8 @@
                   <a:lumOff val="80000"/>
                 </a:schemeClr>
               </a:solidFill>
+              <a:latin typeface="Times New Roman" panose="02020603050405020304" pitchFamily="18" charset="0"/>
+              <a:cs typeface="Times New Roman" panose="02020603050405020304" pitchFamily="18" charset="0"/>
             </a:endParaRPr>
           </a:p>
           <a:p>
@@ -5007,6 +5046,8 @@
                   <a:lumOff val="80000"/>
                 </a:schemeClr>
               </a:solidFill>
+              <a:latin typeface="Times New Roman" panose="02020603050405020304" pitchFamily="18" charset="0"/>
+              <a:cs typeface="Times New Roman" panose="02020603050405020304" pitchFamily="18" charset="0"/>
             </a:endParaRPr>
           </a:p>
           <a:p>
@@ -5021,6 +5062,8 @@
                     <a:lumOff val="80000"/>
                   </a:schemeClr>
                 </a:solidFill>
+                <a:latin typeface="Times New Roman" panose="02020603050405020304" pitchFamily="18" charset="0"/>
+                <a:cs typeface="Times New Roman" panose="02020603050405020304" pitchFamily="18" charset="0"/>
               </a:rPr>
               <a:t> </a:t>
             </a:r>
@@ -5032,6 +5075,8 @@
                     <a:lumOff val="80000"/>
                   </a:schemeClr>
                 </a:solidFill>
+                <a:latin typeface="Times New Roman" panose="02020603050405020304" pitchFamily="18" charset="0"/>
+                <a:cs typeface="Times New Roman" panose="02020603050405020304" pitchFamily="18" charset="0"/>
               </a:rPr>
               <a:t>            </a:t>
             </a:r>
@@ -5043,6 +5088,8 @@
                     <a:lumOff val="80000"/>
                   </a:schemeClr>
                 </a:solidFill>
+                <a:latin typeface="Times New Roman" panose="02020603050405020304" pitchFamily="18" charset="0"/>
+                <a:cs typeface="Times New Roman" panose="02020603050405020304" pitchFamily="18" charset="0"/>
               </a:rPr>
               <a:t>JSX format</a:t>
             </a:r>
@@ -5059,6 +5106,8 @@
                     <a:lumOff val="80000"/>
                   </a:schemeClr>
                 </a:solidFill>
+                <a:latin typeface="Times New Roman" panose="02020603050405020304" pitchFamily="18" charset="0"/>
+                <a:cs typeface="Times New Roman" panose="02020603050405020304" pitchFamily="18" charset="0"/>
               </a:rPr>
               <a:t> </a:t>
             </a:r>
@@ -5070,6 +5119,8 @@
                     <a:lumOff val="80000"/>
                   </a:schemeClr>
                 </a:solidFill>
+                <a:latin typeface="Times New Roman" panose="02020603050405020304" pitchFamily="18" charset="0"/>
+                <a:cs typeface="Times New Roman" panose="02020603050405020304" pitchFamily="18" charset="0"/>
               </a:rPr>
               <a:t>                                                 </a:t>
             </a:r>
@@ -5086,6 +5137,8 @@
                     <a:lumOff val="80000"/>
                   </a:schemeClr>
                 </a:solidFill>
+                <a:latin typeface="Times New Roman" panose="02020603050405020304" pitchFamily="18" charset="0"/>
+                <a:cs typeface="Times New Roman" panose="02020603050405020304" pitchFamily="18" charset="0"/>
               </a:rPr>
               <a:t> </a:t>
             </a:r>
@@ -5097,6 +5150,8 @@
                     <a:lumOff val="80000"/>
                   </a:schemeClr>
                 </a:solidFill>
+                <a:latin typeface="Times New Roman" panose="02020603050405020304" pitchFamily="18" charset="0"/>
+                <a:cs typeface="Times New Roman" panose="02020603050405020304" pitchFamily="18" charset="0"/>
               </a:rPr>
               <a:t>                                                                                                                                                       normal JavaScript format</a:t>
             </a:r>
@@ -5107,6 +5162,8 @@
                   <a:lumOff val="80000"/>
                 </a:schemeClr>
               </a:solidFill>
+              <a:latin typeface="Times New Roman" panose="02020603050405020304" pitchFamily="18" charset="0"/>
+              <a:cs typeface="Times New Roman" panose="02020603050405020304" pitchFamily="18" charset="0"/>
             </a:endParaRPr>
           </a:p>
         </p:txBody>
@@ -6283,6 +6340,8 @@
                     <a:lumOff val="80000"/>
                   </a:schemeClr>
                 </a:solidFill>
+                <a:latin typeface="Times New Roman" panose="02020603050405020304" pitchFamily="18" charset="0"/>
+                <a:cs typeface="Times New Roman" panose="02020603050405020304" pitchFamily="18" charset="0"/>
               </a:rPr>
               <a:t>Rendering Elements</a:t>
             </a:r>
@@ -6293,6 +6352,8 @@
                   <a:lumOff val="80000"/>
                 </a:schemeClr>
               </a:solidFill>
+              <a:latin typeface="Times New Roman" panose="02020603050405020304" pitchFamily="18" charset="0"/>
+              <a:cs typeface="Times New Roman" panose="02020603050405020304" pitchFamily="18" charset="0"/>
             </a:endParaRPr>
           </a:p>
         </p:txBody>
@@ -6322,6 +6383,8 @@
                     <a:lumOff val="80000"/>
                   </a:schemeClr>
                 </a:solidFill>
+                <a:latin typeface="Times New Roman" panose="02020603050405020304" pitchFamily="18" charset="0"/>
+                <a:cs typeface="Times New Roman" panose="02020603050405020304" pitchFamily="18" charset="0"/>
               </a:rPr>
               <a:t>Elements are the smallest building blocks of React </a:t>
             </a:r>
@@ -6333,6 +6396,8 @@
                     <a:lumOff val="80000"/>
                   </a:schemeClr>
                 </a:solidFill>
+                <a:latin typeface="Times New Roman" panose="02020603050405020304" pitchFamily="18" charset="0"/>
+                <a:cs typeface="Times New Roman" panose="02020603050405020304" pitchFamily="18" charset="0"/>
               </a:rPr>
               <a:t>apps.</a:t>
             </a:r>
@@ -6346,6 +6411,8 @@
                     <a:lumOff val="80000"/>
                   </a:schemeClr>
                 </a:solidFill>
+                <a:latin typeface="Times New Roman" panose="02020603050405020304" pitchFamily="18" charset="0"/>
+                <a:cs typeface="Times New Roman" panose="02020603050405020304" pitchFamily="18" charset="0"/>
               </a:rPr>
               <a:t>An element describes what you want to see on the screen.</a:t>
             </a:r>
@@ -6359,6 +6426,8 @@
                     <a:lumOff val="80000"/>
                   </a:schemeClr>
                 </a:solidFill>
+                <a:latin typeface="Times New Roman" panose="02020603050405020304" pitchFamily="18" charset="0"/>
+                <a:cs typeface="Times New Roman" panose="02020603050405020304" pitchFamily="18" charset="0"/>
               </a:rPr>
               <a:t>DOM elements, React elements are plain objects, and are cheap to create</a:t>
             </a:r>
@@ -6370,6 +6439,8 @@
                     <a:lumOff val="80000"/>
                   </a:schemeClr>
                 </a:solidFill>
+                <a:latin typeface="Times New Roman" panose="02020603050405020304" pitchFamily="18" charset="0"/>
+                <a:cs typeface="Times New Roman" panose="02020603050405020304" pitchFamily="18" charset="0"/>
               </a:rPr>
               <a:t>.</a:t>
             </a:r>
@@ -6380,6 +6451,8 @@
                   <a:lumOff val="80000"/>
                 </a:schemeClr>
               </a:solidFill>
+              <a:latin typeface="Times New Roman" panose="02020603050405020304" pitchFamily="18" charset="0"/>
+              <a:cs typeface="Times New Roman" panose="02020603050405020304" pitchFamily="18" charset="0"/>
             </a:endParaRPr>
           </a:p>
           <a:p>
@@ -6391,6 +6464,8 @@
                     <a:lumOff val="80000"/>
                   </a:schemeClr>
                 </a:solidFill>
+                <a:latin typeface="Times New Roman" panose="02020603050405020304" pitchFamily="18" charset="0"/>
+                <a:cs typeface="Times New Roman" panose="02020603050405020304" pitchFamily="18" charset="0"/>
               </a:rPr>
               <a:t>Applications built with just React usually have a single root DOM node. </a:t>
             </a:r>
@@ -6401,6 +6476,8 @@
                   <a:lumOff val="80000"/>
                 </a:schemeClr>
               </a:solidFill>
+              <a:latin typeface="Times New Roman" panose="02020603050405020304" pitchFamily="18" charset="0"/>
+              <a:cs typeface="Times New Roman" panose="02020603050405020304" pitchFamily="18" charset="0"/>
             </a:endParaRPr>
           </a:p>
           <a:p>
@@ -6412,6 +6489,8 @@
                     <a:lumOff val="80000"/>
                   </a:schemeClr>
                 </a:solidFill>
+                <a:latin typeface="Times New Roman" panose="02020603050405020304" pitchFamily="18" charset="0"/>
+                <a:cs typeface="Times New Roman" panose="02020603050405020304" pitchFamily="18" charset="0"/>
               </a:rPr>
               <a:t>&lt;</a:t>
             </a:r>
@@ -6423,6 +6502,8 @@
                     <a:lumOff val="80000"/>
                   </a:schemeClr>
                 </a:solidFill>
+                <a:latin typeface="Times New Roman" panose="02020603050405020304" pitchFamily="18" charset="0"/>
+                <a:cs typeface="Times New Roman" panose="02020603050405020304" pitchFamily="18" charset="0"/>
               </a:rPr>
               <a:t>div id="root"&gt;&lt;/div</a:t>
             </a:r>
@@ -6434,6 +6515,8 @@
                     <a:lumOff val="80000"/>
                   </a:schemeClr>
                 </a:solidFill>
+                <a:latin typeface="Times New Roman" panose="02020603050405020304" pitchFamily="18" charset="0"/>
+                <a:cs typeface="Times New Roman" panose="02020603050405020304" pitchFamily="18" charset="0"/>
               </a:rPr>
               <a:t>&gt;</a:t>
             </a:r>
@@ -6451,7 +6534,8 @@
                   </a:schemeClr>
                 </a:solidFill>
                 <a:effectLst/>
-                <a:latin typeface="-apple-system"/>
+                <a:latin typeface="Times New Roman" panose="02020603050405020304" pitchFamily="18" charset="0"/>
+                <a:cs typeface="Times New Roman" panose="02020603050405020304" pitchFamily="18" charset="0"/>
               </a:rPr>
               <a:t>To render a React element into a root DOM node, pass both to </a:t>
             </a:r>
@@ -6467,7 +6551,8 @@
                   </a:schemeClr>
                 </a:solidFill>
                 <a:effectLst/>
-                <a:latin typeface="source-code-pro"/>
+                <a:latin typeface="Times New Roman" panose="02020603050405020304" pitchFamily="18" charset="0"/>
+                <a:cs typeface="Times New Roman" panose="02020603050405020304" pitchFamily="18" charset="0"/>
                 <a:hlinkClick r:id="rId2"/>
               </a:rPr>
               <a:t>ReactDOM.render</a:t>
@@ -6484,7 +6569,8 @@
                   </a:schemeClr>
                 </a:solidFill>
                 <a:effectLst/>
-                <a:latin typeface="source-code-pro"/>
+                <a:latin typeface="Times New Roman" panose="02020603050405020304" pitchFamily="18" charset="0"/>
+                <a:cs typeface="Times New Roman" panose="02020603050405020304" pitchFamily="18" charset="0"/>
                 <a:hlinkClick r:id="rId2"/>
               </a:rPr>
               <a:t>()</a:t>
@@ -6501,24 +6587,10 @@
                   </a:schemeClr>
                 </a:solidFill>
                 <a:effectLst/>
-                <a:latin typeface="-apple-system"/>
-              </a:rPr>
-              <a:t>:</a:t>
-            </a:r>
-            <a:r>
-              <a:rPr kumimoji="0" lang="en-US" altLang="en-US" sz="1800" b="0" i="0" u="none" strike="noStrike" cap="none" normalizeH="0" baseline="0" dirty="0" smtClean="0">
-                <a:ln>
-                  <a:noFill/>
-                </a:ln>
-                <a:solidFill>
-                  <a:schemeClr val="accent4">
-                    <a:lumMod val="20000"/>
-                    <a:lumOff val="80000"/>
-                  </a:schemeClr>
-                </a:solidFill>
-                <a:effectLst/>
-              </a:rPr>
-              <a:t> </a:t>
+                <a:latin typeface="Times New Roman" panose="02020603050405020304" pitchFamily="18" charset="0"/>
+                <a:cs typeface="Times New Roman" panose="02020603050405020304" pitchFamily="18" charset="0"/>
+              </a:rPr>
+              <a:t>: </a:t>
             </a:r>
             <a:endParaRPr lang="en-US" sz="1800" dirty="0" smtClean="0">
               <a:solidFill>
@@ -6527,6 +6599,8 @@
                   <a:lumOff val="80000"/>
                 </a:schemeClr>
               </a:solidFill>
+              <a:latin typeface="Times New Roman" panose="02020603050405020304" pitchFamily="18" charset="0"/>
+              <a:cs typeface="Times New Roman" panose="02020603050405020304" pitchFamily="18" charset="0"/>
             </a:endParaRPr>
           </a:p>
           <a:p>
@@ -6542,7 +6616,8 @@
                   </a:schemeClr>
                 </a:solidFill>
                 <a:effectLst/>
-                <a:latin typeface="source-code-pro"/>
+                <a:latin typeface="Times New Roman" panose="02020603050405020304" pitchFamily="18" charset="0"/>
+                <a:cs typeface="Times New Roman" panose="02020603050405020304" pitchFamily="18" charset="0"/>
               </a:rPr>
               <a:t>const</a:t>
             </a:r>
@@ -6558,7 +6633,8 @@
                   </a:schemeClr>
                 </a:solidFill>
                 <a:effectLst/>
-                <a:latin typeface="source-code-pro"/>
+                <a:latin typeface="Times New Roman" panose="02020603050405020304" pitchFamily="18" charset="0"/>
+                <a:cs typeface="Times New Roman" panose="02020603050405020304" pitchFamily="18" charset="0"/>
               </a:rPr>
               <a:t> element = &lt;h1&gt;Hello, world&lt;/h1&gt;;</a:t>
             </a:r>
@@ -6575,7 +6651,8 @@
                     <a:lumOff val="80000"/>
                   </a:schemeClr>
                 </a:solidFill>
-                <a:latin typeface="source-code-pro"/>
+                <a:latin typeface="Times New Roman" panose="02020603050405020304" pitchFamily="18" charset="0"/>
+                <a:cs typeface="Times New Roman" panose="02020603050405020304" pitchFamily="18" charset="0"/>
               </a:rPr>
               <a:t> </a:t>
             </a:r>
@@ -6587,7 +6664,8 @@
                     <a:lumOff val="80000"/>
                   </a:schemeClr>
                 </a:solidFill>
-                <a:latin typeface="source-code-pro"/>
+                <a:latin typeface="Times New Roman" panose="02020603050405020304" pitchFamily="18" charset="0"/>
+                <a:cs typeface="Times New Roman" panose="02020603050405020304" pitchFamily="18" charset="0"/>
               </a:rPr>
               <a:t>  </a:t>
             </a:r>
@@ -6603,7 +6681,8 @@
                   </a:schemeClr>
                 </a:solidFill>
                 <a:effectLst/>
-                <a:latin typeface="source-code-pro"/>
+                <a:latin typeface="Times New Roman" panose="02020603050405020304" pitchFamily="18" charset="0"/>
+                <a:cs typeface="Times New Roman" panose="02020603050405020304" pitchFamily="18" charset="0"/>
               </a:rPr>
               <a:t> </a:t>
             </a:r>
@@ -6619,7 +6698,8 @@
                   </a:schemeClr>
                 </a:solidFill>
                 <a:effectLst/>
-                <a:latin typeface="source-code-pro"/>
+                <a:latin typeface="Times New Roman" panose="02020603050405020304" pitchFamily="18" charset="0"/>
+                <a:cs typeface="Times New Roman" panose="02020603050405020304" pitchFamily="18" charset="0"/>
               </a:rPr>
               <a:t>ReactDOM.render</a:t>
             </a:r>
@@ -6635,7 +6715,8 @@
                   </a:schemeClr>
                 </a:solidFill>
                 <a:effectLst/>
-                <a:latin typeface="source-code-pro"/>
+                <a:latin typeface="Times New Roman" panose="02020603050405020304" pitchFamily="18" charset="0"/>
+                <a:cs typeface="Times New Roman" panose="02020603050405020304" pitchFamily="18" charset="0"/>
               </a:rPr>
               <a:t>(element, </a:t>
             </a:r>
@@ -6656,7 +6737,8 @@
                   </a:schemeClr>
                 </a:solidFill>
                 <a:effectLst/>
-                <a:latin typeface="source-code-pro"/>
+                <a:latin typeface="Times New Roman" panose="02020603050405020304" pitchFamily="18" charset="0"/>
+                <a:cs typeface="Times New Roman" panose="02020603050405020304" pitchFamily="18" charset="0"/>
               </a:rPr>
               <a:t>    </a:t>
             </a:r>
@@ -6672,7 +6754,8 @@
                   </a:schemeClr>
                 </a:solidFill>
                 <a:effectLst/>
-                <a:latin typeface="source-code-pro"/>
+                <a:latin typeface="Times New Roman" panose="02020603050405020304" pitchFamily="18" charset="0"/>
+                <a:cs typeface="Times New Roman" panose="02020603050405020304" pitchFamily="18" charset="0"/>
               </a:rPr>
               <a:t>document.getElementById</a:t>
             </a:r>
@@ -6688,24 +6771,10 @@
                   </a:schemeClr>
                 </a:solidFill>
                 <a:effectLst/>
-                <a:latin typeface="source-code-pro"/>
-              </a:rPr>
-              <a:t>('root'));</a:t>
-            </a:r>
-            <a:r>
-              <a:rPr kumimoji="0" lang="en-US" altLang="en-US" sz="1800" b="0" i="0" u="none" strike="noStrike" cap="none" normalizeH="0" baseline="0" dirty="0" smtClean="0">
-                <a:ln>
-                  <a:noFill/>
-                </a:ln>
-                <a:solidFill>
-                  <a:schemeClr val="accent4">
-                    <a:lumMod val="20000"/>
-                    <a:lumOff val="80000"/>
-                  </a:schemeClr>
-                </a:solidFill>
-                <a:effectLst/>
-              </a:rPr>
-              <a:t> </a:t>
+                <a:latin typeface="Times New Roman" panose="02020603050405020304" pitchFamily="18" charset="0"/>
+                <a:cs typeface="Times New Roman" panose="02020603050405020304" pitchFamily="18" charset="0"/>
+              </a:rPr>
+              <a:t>('root')); </a:t>
             </a:r>
           </a:p>
           <a:p>
@@ -6717,6 +6786,8 @@
                     <a:lumOff val="80000"/>
                   </a:schemeClr>
                 </a:solidFill>
+                <a:latin typeface="Times New Roman" panose="02020603050405020304" pitchFamily="18" charset="0"/>
+                <a:cs typeface="Times New Roman" panose="02020603050405020304" pitchFamily="18" charset="0"/>
               </a:rPr>
               <a:t>React elements are </a:t>
             </a:r>
@@ -6728,6 +6799,8 @@
                     <a:lumOff val="80000"/>
                   </a:schemeClr>
                 </a:solidFill>
+                <a:latin typeface="Times New Roman" panose="02020603050405020304" pitchFamily="18" charset="0"/>
+                <a:cs typeface="Times New Roman" panose="02020603050405020304" pitchFamily="18" charset="0"/>
                 <a:hlinkClick r:id="rId3"/>
               </a:rPr>
               <a:t>immutable</a:t>
@@ -6740,6 +6813,8 @@
                     <a:lumOff val="80000"/>
                   </a:schemeClr>
                 </a:solidFill>
+                <a:latin typeface="Times New Roman" panose="02020603050405020304" pitchFamily="18" charset="0"/>
+                <a:cs typeface="Times New Roman" panose="02020603050405020304" pitchFamily="18" charset="0"/>
               </a:rPr>
               <a:t>. Once you create an element, you can’t change its children or attributes.</a:t>
             </a:r>
@@ -6754,7 +6829,8 @@
                 </a:schemeClr>
               </a:solidFill>
               <a:effectLst/>
-              <a:latin typeface="Arial" panose="020B0604020202020204" pitchFamily="34" charset="0"/>
+              <a:latin typeface="Times New Roman" panose="02020603050405020304" pitchFamily="18" charset="0"/>
+              <a:cs typeface="Times New Roman" panose="02020603050405020304" pitchFamily="18" charset="0"/>
             </a:endParaRPr>
           </a:p>
           <a:p>
@@ -6768,6 +6844,8 @@
                   <a:lumOff val="80000"/>
                 </a:schemeClr>
               </a:solidFill>
+              <a:latin typeface="Times New Roman" panose="02020603050405020304" pitchFamily="18" charset="0"/>
+              <a:cs typeface="Times New Roman" panose="02020603050405020304" pitchFamily="18" charset="0"/>
             </a:endParaRPr>
           </a:p>
           <a:p>
@@ -6778,6 +6856,8 @@
                   <a:lumOff val="80000"/>
                 </a:schemeClr>
               </a:solidFill>
+              <a:latin typeface="Times New Roman" panose="02020603050405020304" pitchFamily="18" charset="0"/>
+              <a:cs typeface="Times New Roman" panose="02020603050405020304" pitchFamily="18" charset="0"/>
             </a:endParaRPr>
           </a:p>
         </p:txBody>
@@ -7582,76 +7662,16 @@
         <a:srgbClr val="954F72"/>
       </a:folHlink>
     </a:clrScheme>
-    <a:fontScheme name="Office">
+    <a:fontScheme name="Custom 1">
       <a:majorFont>
-        <a:latin typeface="Calibri Light" panose="020F0302020204030204"/>
+        <a:latin typeface="Times New Roman"/>
         <a:ea typeface=""/>
         <a:cs typeface=""/>
-        <a:font script="Jpan" typeface="游ゴシック Light"/>
-        <a:font script="Hang" typeface="맑은 고딕"/>
-        <a:font script="Hans" typeface="等线 Light"/>
-        <a:font script="Hant" typeface="新細明體"/>
-        <a:font script="Arab" typeface="Times New Roman"/>
-        <a:font script="Hebr" typeface="Times New Roman"/>
-        <a:font script="Thai" typeface="Angsana New"/>
-        <a:font script="Ethi" typeface="Nyala"/>
-        <a:font script="Beng" typeface="Vrinda"/>
-        <a:font script="Gujr" typeface="Shruti"/>
-        <a:font script="Khmr" typeface="MoolBoran"/>
-        <a:font script="Knda" typeface="Tunga"/>
-        <a:font script="Guru" typeface="Raavi"/>
-        <a:font script="Cans" typeface="Euphemia"/>
-        <a:font script="Cher" typeface="Plantagenet Cherokee"/>
-        <a:font script="Yiii" typeface="Microsoft Yi Baiti"/>
-        <a:font script="Tibt" typeface="Microsoft Himalaya"/>
-        <a:font script="Thaa" typeface="MV Boli"/>
-        <a:font script="Deva" typeface="Mangal"/>
-        <a:font script="Telu" typeface="Gautami"/>
-        <a:font script="Taml" typeface="Latha"/>
-        <a:font script="Syrc" typeface="Estrangelo Edessa"/>
-        <a:font script="Orya" typeface="Kalinga"/>
-        <a:font script="Mlym" typeface="Kartika"/>
-        <a:font script="Laoo" typeface="DokChampa"/>
-        <a:font script="Sinh" typeface="Iskoola Pota"/>
-        <a:font script="Mong" typeface="Mongolian Baiti"/>
-        <a:font script="Viet" typeface="Times New Roman"/>
-        <a:font script="Uigh" typeface="Microsoft Uighur"/>
-        <a:font script="Geor" typeface="Sylfaen"/>
       </a:majorFont>
       <a:minorFont>
-        <a:latin typeface="Calibri" panose="020F0502020204030204"/>
+        <a:latin typeface="Times New Roman"/>
         <a:ea typeface=""/>
         <a:cs typeface=""/>
-        <a:font script="Jpan" typeface="游ゴシック"/>
-        <a:font script="Hang" typeface="맑은 고딕"/>
-        <a:font script="Hans" typeface="等线"/>
-        <a:font script="Hant" typeface="新細明體"/>
-        <a:font script="Arab" typeface="Arial"/>
-        <a:font script="Hebr" typeface="Arial"/>
-        <a:font script="Thai" typeface="Cordia New"/>
-        <a:font script="Ethi" typeface="Nyala"/>
-        <a:font script="Beng" typeface="Vrinda"/>
-        <a:font script="Gujr" typeface="Shruti"/>
-        <a:font script="Khmr" typeface="DaunPenh"/>
-        <a:font script="Knda" typeface="Tunga"/>
-        <a:font script="Guru" typeface="Raavi"/>
-        <a:font script="Cans" typeface="Euphemia"/>
-        <a:font script="Cher" typeface="Plantagenet Cherokee"/>
-        <a:font script="Yiii" typeface="Microsoft Yi Baiti"/>
-        <a:font script="Tibt" typeface="Microsoft Himalaya"/>
-        <a:font script="Thaa" typeface="MV Boli"/>
-        <a:font script="Deva" typeface="Mangal"/>
-        <a:font script="Telu" typeface="Gautami"/>
-        <a:font script="Taml" typeface="Latha"/>
-        <a:font script="Syrc" typeface="Estrangelo Edessa"/>
-        <a:font script="Orya" typeface="Kalinga"/>
-        <a:font script="Mlym" typeface="Kartika"/>
-        <a:font script="Laoo" typeface="DokChampa"/>
-        <a:font script="Sinh" typeface="Iskoola Pota"/>
-        <a:font script="Mong" typeface="Mongolian Baiti"/>
-        <a:font script="Viet" typeface="Arial"/>
-        <a:font script="Uigh" typeface="Microsoft Uighur"/>
-        <a:font script="Geor" typeface="Sylfaen"/>
       </a:minorFont>
     </a:fontScheme>
     <a:fmtScheme name="Office">

--- a/React Workshop.pptx
+++ b/React Workshop.pptx
@@ -4747,7 +4747,7 @@
                   </a:schemeClr>
                 </a:solidFill>
               </a:rPr>
-              <a:t> install –save react –</a:t>
+              <a:t> install –save react – </a:t>
             </a:r>
             <a:r>
               <a:rPr lang="en-US" dirty="0" err="1" smtClean="0">
